--- a/10a_Properties/Predicates.pptx
+++ b/10a_Properties/Predicates.pptx
@@ -5974,23 +5974,7 @@
             </a:r>
             <a:r>
               <a:rPr lang="en-US" dirty="0"/>
-              <a:t>(</a:t>
-            </a:r>
-            <a:r>
-              <a:rPr lang="en-US" dirty="0" err="1"/>
-              <a:t>Bappa</a:t>
-            </a:r>
-            <a:r>
-              <a:rPr lang="en-US" dirty="0"/>
-              <a:t>) is the proposition that </a:t>
-            </a:r>
-            <a:r>
-              <a:rPr lang="en-US" dirty="0" err="1"/>
-              <a:t>Bappa</a:t>
-            </a:r>
-            <a:r>
-              <a:rPr lang="en-US" dirty="0"/>
-              <a:t> is from Charlottesville</a:t>
+              <a:t>(Maya) is the proposition that Maya is from Charlottesville</a:t>
             </a:r>
           </a:p>
           <a:p>
@@ -6001,23 +5985,18 @@
             </a:r>
             <a:r>
               <a:rPr lang="en-US" dirty="0"/>
-              <a:t>(</a:t>
-            </a:r>
+              <a:t>(Jamal) is the proposition that Jamal is from Charlottesville</a:t>
+            </a:r>
+          </a:p>
+          <a:p>
+            <a:pPr lvl="1"/>
             <a:r>
               <a:rPr lang="en-US" dirty="0" err="1"/>
-              <a:t>Xiangbao</a:t>
+              <a:t>fromCharlottesville</a:t>
             </a:r>
             <a:r>
               <a:rPr lang="en-US" dirty="0"/>
-              <a:t>) is the proposition that </a:t>
-            </a:r>
-            <a:r>
-              <a:rPr lang="en-US" dirty="0" err="1"/>
-              <a:t>Xiangbao</a:t>
-            </a:r>
-            <a:r>
-              <a:rPr lang="en-US" dirty="0"/>
-              <a:t> is from Charlottesville</a:t>
+              <a:t>(Bao) is the proposition that Bao is from Charlottesville</a:t>
             </a:r>
           </a:p>
           <a:p>
